--- a/Automationdashboard/MAIN_FOLDER/MAR_21/analysis_MAR_21.pptx
+++ b/Automationdashboard/MAIN_FOLDER/MAR_21/analysis_MAR_21.pptx
@@ -8,6 +8,8 @@
     <p:sldId id="256" r:id="rId7"/>
     <p:sldId id="257" r:id="rId8"/>
     <p:sldId id="258" r:id="rId9"/>
+    <p:sldId id="259" r:id="rId10"/>
+    <p:sldId id="260" r:id="rId11"/>
   </p:sldIdLst>
   <p:sldSz cx="9144000" cy="6858000" type="screen4x3"/>
   <p:notesSz cx="6858000" cy="9144000"/>
@@ -3163,7 +3165,7 @@
         </p:nvSpPr>
         <p:spPr>
           <a:xfrm>
-            <a:off x="0" y="457200"/>
+            <a:off x="457200" y="457200"/>
           </a:xfrm>
         </p:spPr>
         <p:txBody>
@@ -3198,7 +3200,7 @@
                 <a:gridCol w="3657600"/>
                 <a:gridCol w="3657600"/>
               </a:tblGrid>
-              <a:tr h="457200">
+              <a:tr h="326571">
                 <a:tc>
                   <a:txBody>
                     <a:bodyPr/>
@@ -3224,7 +3226,7 @@
                   <a:tcPr/>
                 </a:tc>
               </a:tr>
-              <a:tr h="457200">
+              <a:tr h="326571">
                 <a:tc>
                   <a:txBody>
                     <a:bodyPr/>
@@ -3250,7 +3252,7 @@
                   <a:tcPr/>
                 </a:tc>
               </a:tr>
-              <a:tr h="457200">
+              <a:tr h="326571">
                 <a:tc>
                   <a:txBody>
                     <a:bodyPr/>
@@ -3269,14 +3271,14 @@
                     <a:lstStyle/>
                     <a:p>
                       <a:r>
-                        <a:t>-0.496635</a:t>
+                        <a:t>2.4692266666666667</a:t>
                       </a:r>
                     </a:p>
                   </a:txBody>
                   <a:tcPr/>
                 </a:tc>
               </a:tr>
-              <a:tr h="457200">
+              <a:tr h="326571">
                 <a:tc>
                   <a:txBody>
                     <a:bodyPr/>
@@ -3295,14 +3297,14 @@
                     <a:lstStyle/>
                     <a:p>
                       <a:r>
-                        <a:t>-25.81896295027778</a:t>
+                        <a:t>125.559082875</a:t>
                       </a:r>
                     </a:p>
                   </a:txBody>
                   <a:tcPr/>
                 </a:tc>
               </a:tr>
-              <a:tr h="457200">
+              <a:tr h="326571">
                 <a:tc>
                   <a:txBody>
                     <a:bodyPr/>
@@ -3321,14 +3323,14 @@
                     <a:lstStyle/>
                     <a:p>
                       <a:r>
-                        <a:t>33.91</a:t>
+                        <a:t>10.666</a:t>
                       </a:r>
                     </a:p>
                   </a:txBody>
                   <a:tcPr/>
                 </a:tc>
               </a:tr>
-              <a:tr h="457200">
+              <a:tr h="326571">
                 <a:tc>
                   <a:txBody>
                     <a:bodyPr/>
@@ -3347,14 +3349,14 @@
                     <a:lstStyle/>
                     <a:p>
                       <a:r>
-                        <a:t>34.433</a:t>
+                        <a:t>13.151</a:t>
                       </a:r>
                     </a:p>
                   </a:txBody>
                   <a:tcPr/>
                 </a:tc>
               </a:tr>
-              <a:tr h="457200">
+              <a:tr h="326571">
                 <a:tc>
                   <a:txBody>
                     <a:bodyPr/>
@@ -3380,7 +3382,7 @@
                   <a:tcPr/>
                 </a:tc>
               </a:tr>
-              <a:tr h="457200">
+              <a:tr h="326571">
                 <a:tc>
                   <a:txBody>
                     <a:bodyPr/>
@@ -3399,14 +3401,14 @@
                     <a:lstStyle/>
                     <a:p>
                       <a:r>
-                        <a:t>-40.360253303742816</a:t>
+                        <a:t>35.919291303643064</a:t>
                       </a:r>
                     </a:p>
                   </a:txBody>
                   <a:tcPr/>
                 </a:tc>
               </a:tr>
-              <a:tr h="457200">
+              <a:tr h="326571">
                 <a:tc>
                   <a:txBody>
                     <a:bodyPr/>
@@ -3425,14 +3427,14 @@
                     <a:lstStyle/>
                     <a:p>
                       <a:r>
-                        <a:t>1.0%</a:t>
+                        <a:t>7.0</a:t>
                       </a:r>
                     </a:p>
                   </a:txBody>
                   <a:tcPr/>
                 </a:tc>
               </a:tr>
-              <a:tr h="457200">
+              <a:tr h="326571">
                 <a:tc>
                   <a:txBody>
                     <a:bodyPr/>
@@ -3451,7 +3453,111 @@
                     <a:lstStyle/>
                     <a:p>
                       <a:r>
-                        <a:t>Eco mode</a:t>
+                        <a:t>['Sports mode: 100.00%']</a:t>
+                      </a:r>
+                    </a:p>
+                  </a:txBody>
+                  <a:tcPr/>
+                </a:tc>
+              </a:tr>
+              <a:tr h="326571">
+                <a:tc>
+                  <a:txBody>
+                    <a:bodyPr/>
+                    <a:lstStyle/>
+                    <a:p>
+                      <a:r>
+                        <a:t>Peak Power</a:t>
+                      </a:r>
+                    </a:p>
+                  </a:txBody>
+                  <a:tcPr/>
+                </a:tc>
+                <a:tc>
+                  <a:txBody>
+                    <a:bodyPr/>
+                    <a:lstStyle/>
+                    <a:p>
+                      <a:r>
+                        <a:t>5136.355801</a:t>
+                      </a:r>
+                    </a:p>
+                  </a:txBody>
+                  <a:tcPr/>
+                </a:tc>
+              </a:tr>
+              <a:tr h="326571">
+                <a:tc>
+                  <a:txBody>
+                    <a:bodyPr/>
+                    <a:lstStyle/>
+                    <a:p>
+                      <a:r>
+                        <a:t>Average Power</a:t>
+                      </a:r>
+                    </a:p>
+                  </a:txBody>
+                  <a:tcPr/>
+                </a:tc>
+                <a:tc>
+                  <a:txBody>
+                    <a:bodyPr/>
+                    <a:lstStyle/>
+                    <a:p>
+                      <a:r>
+                        <a:t>-1537.4581576530613</a:t>
+                      </a:r>
+                    </a:p>
+                  </a:txBody>
+                  <a:tcPr/>
+                </a:tc>
+              </a:tr>
+              <a:tr h="326571">
+                <a:tc>
+                  <a:txBody>
+                    <a:bodyPr/>
+                    <a:lstStyle/>
+                    <a:p>
+                      <a:r>
+                        <a:t>Total Energy Regenerated</a:t>
+                      </a:r>
+                    </a:p>
+                  </a:txBody>
+                  <a:tcPr/>
+                </a:tc>
+                <a:tc>
+                  <a:txBody>
+                    <a:bodyPr/>
+                    <a:lstStyle/>
+                    <a:p>
+                      <a:r>
+                        <a:t>0.23065293388888888</a:t>
+                      </a:r>
+                    </a:p>
+                  </a:txBody>
+                  <a:tcPr/>
+                </a:tc>
+              </a:tr>
+              <a:tr h="326577">
+                <a:tc>
+                  <a:txBody>
+                    <a:bodyPr/>
+                    <a:lstStyle/>
+                    <a:p>
+                      <a:r>
+                        <a:t>Regenerative Effectiveness</a:t>
+                      </a:r>
+                    </a:p>
+                  </a:txBody>
+                  <a:tcPr/>
+                </a:tc>
+                <a:tc>
+                  <a:txBody>
+                    <a:bodyPr/>
+                    <a:lstStyle/>
+                    <a:p>
+                      <a:r>
+                        <a:t>-0.18336387496617182</a:t>
                       </a:r>
                     </a:p>
                   </a:txBody>
@@ -3471,6 +3577,816 @@
 </file>
 
 <file path=ppt/slides/slide3.xml><?xml version="1.0" encoding="utf-8"?>
+<p:sld xmlns:a="http://schemas.openxmlformats.org/drawingml/2006/main" xmlns:p="http://schemas.openxmlformats.org/presentationml/2006/main" xmlns:r="http://schemas.openxmlformats.org/officeDocument/2006/relationships">
+  <p:cSld>
+    <p:spTree>
+      <p:nvGrpSpPr>
+        <p:cNvPr id="1" name=""/>
+        <p:cNvGrpSpPr/>
+        <p:nvPr/>
+      </p:nvGrpSpPr>
+      <p:grpSpPr/>
+      <p:sp>
+        <p:nvSpPr>
+          <p:cNvPr id="2" name="Title 1"/>
+          <p:cNvSpPr>
+            <a:spLocks noGrp="1"/>
+          </p:cNvSpPr>
+          <p:nvPr>
+            <p:ph type="title"/>
+          </p:nvPr>
+        </p:nvSpPr>
+        <p:spPr/>
+        <p:txBody>
+          <a:bodyPr/>
+          <a:lstStyle/>
+          <a:p>
+            <a:r>
+              <a:t>Analysis Results:</a:t>
+            </a:r>
+          </a:p>
+        </p:txBody>
+      </p:sp>
+      <p:graphicFrame>
+        <p:nvGraphicFramePr>
+          <p:cNvPr id="3" name="Table 2"/>
+          <p:cNvGraphicFramePr>
+            <a:graphicFrameLocks noGrp="1"/>
+          </p:cNvGraphicFramePr>
+          <p:nvPr/>
+        </p:nvGraphicFramePr>
+        <p:xfrm>
+          <a:off x="914400" y="1371600"/>
+          <a:ext cx="7315200" cy="4572000"/>
+        </p:xfrm>
+        <a:graphic>
+          <a:graphicData uri="http://schemas.openxmlformats.org/drawingml/2006/table">
+            <a:tbl>
+              <a:tblPr firstRow="1" bandRow="1">
+                <a:tableStyleId>{5C22544A-7EE6-4342-B048-85BDC9FD1C3A}</a:tableStyleId>
+              </a:tblPr>
+              <a:tblGrid>
+                <a:gridCol w="3657600"/>
+                <a:gridCol w="3657600"/>
+              </a:tblGrid>
+              <a:tr h="326571">
+                <a:tc>
+                  <a:txBody>
+                    <a:bodyPr/>
+                    <a:lstStyle/>
+                    <a:p>
+                      <a:r>
+                        <a:t>Metric</a:t>
+                      </a:r>
+                    </a:p>
+                  </a:txBody>
+                  <a:tcPr/>
+                </a:tc>
+                <a:tc>
+                  <a:txBody>
+                    <a:bodyPr/>
+                    <a:lstStyle/>
+                    <a:p>
+                      <a:r>
+                        <a:t>Value</a:t>
+                      </a:r>
+                    </a:p>
+                  </a:txBody>
+                  <a:tcPr/>
+                </a:tc>
+              </a:tr>
+              <a:tr h="326571">
+                <a:tc>
+                  <a:txBody>
+                    <a:bodyPr/>
+                    <a:lstStyle/>
+                    <a:p>
+                      <a:r>
+                        <a:t>Lowest Cell Voltage</a:t>
+                      </a:r>
+                    </a:p>
+                  </a:txBody>
+                  <a:tcPr/>
+                </a:tc>
+                <a:tc>
+                  <a:txBody>
+                    <a:bodyPr/>
+                    <a:lstStyle/>
+                    <a:p>
+                      <a:r>
+                        <a:t>3.071</a:t>
+                      </a:r>
+                    </a:p>
+                  </a:txBody>
+                  <a:tcPr/>
+                </a:tc>
+              </a:tr>
+              <a:tr h="326571">
+                <a:tc>
+                  <a:txBody>
+                    <a:bodyPr/>
+                    <a:lstStyle/>
+                    <a:p>
+                      <a:r>
+                        <a:t>Highest Cell Voltage</a:t>
+                      </a:r>
+                    </a:p>
+                  </a:txBody>
+                  <a:tcPr/>
+                </a:tc>
+                <a:tc>
+                  <a:txBody>
+                    <a:bodyPr/>
+                    <a:lstStyle/>
+                    <a:p>
+                      <a:r>
+                        <a:t>3.249</a:t>
+                      </a:r>
+                    </a:p>
+                  </a:txBody>
+                  <a:tcPr/>
+                </a:tc>
+              </a:tr>
+              <a:tr h="326571">
+                <a:tc>
+                  <a:txBody>
+                    <a:bodyPr/>
+                    <a:lstStyle/>
+                    <a:p>
+                      <a:r>
+                        <a:t>Difference in Cell Voltage</a:t>
+                      </a:r>
+                    </a:p>
+                  </a:txBody>
+                  <a:tcPr/>
+                </a:tc>
+                <a:tc>
+                  <a:txBody>
+                    <a:bodyPr/>
+                    <a:lstStyle/>
+                    <a:p>
+                      <a:r>
+                        <a:t>0.17799999999999994</a:t>
+                      </a:r>
+                    </a:p>
+                  </a:txBody>
+                  <a:tcPr/>
+                </a:tc>
+              </a:tr>
+              <a:tr h="326571">
+                <a:tc>
+                  <a:txBody>
+                    <a:bodyPr/>
+                    <a:lstStyle/>
+                    <a:p>
+                      <a:r>
+                        <a:t>Minimum Temperature</a:t>
+                      </a:r>
+                    </a:p>
+                  </a:txBody>
+                  <a:tcPr/>
+                </a:tc>
+                <a:tc>
+                  <a:txBody>
+                    <a:bodyPr/>
+                    <a:lstStyle/>
+                    <a:p>
+                      <a:r>
+                        <a:t>38.0</a:t>
+                      </a:r>
+                    </a:p>
+                  </a:txBody>
+                  <a:tcPr/>
+                </a:tc>
+              </a:tr>
+              <a:tr h="326571">
+                <a:tc>
+                  <a:txBody>
+                    <a:bodyPr/>
+                    <a:lstStyle/>
+                    <a:p>
+                      <a:r>
+                        <a:t>Maximum Temperature</a:t>
+                      </a:r>
+                    </a:p>
+                  </a:txBody>
+                  <a:tcPr/>
+                </a:tc>
+                <a:tc>
+                  <a:txBody>
+                    <a:bodyPr/>
+                    <a:lstStyle/>
+                    <a:p>
+                      <a:r>
+                        <a:t>43.0</a:t>
+                      </a:r>
+                    </a:p>
+                  </a:txBody>
+                  <a:tcPr/>
+                </a:tc>
+              </a:tr>
+              <a:tr h="326571">
+                <a:tc>
+                  <a:txBody>
+                    <a:bodyPr/>
+                    <a:lstStyle/>
+                    <a:p>
+                      <a:r>
+                        <a:t>Difference in Temperature</a:t>
+                      </a:r>
+                    </a:p>
+                  </a:txBody>
+                  <a:tcPr/>
+                </a:tc>
+                <a:tc>
+                  <a:txBody>
+                    <a:bodyPr/>
+                    <a:lstStyle/>
+                    <a:p>
+                      <a:r>
+                        <a:t>5.0</a:t>
+                      </a:r>
+                    </a:p>
+                  </a:txBody>
+                  <a:tcPr/>
+                </a:tc>
+              </a:tr>
+              <a:tr h="326571">
+                <a:tc>
+                  <a:txBody>
+                    <a:bodyPr/>
+                    <a:lstStyle/>
+                    <a:p>
+                      <a:r>
+                        <a:t>Maximum Fet Temperature</a:t>
+                      </a:r>
+                    </a:p>
+                  </a:txBody>
+                  <a:tcPr/>
+                </a:tc>
+                <a:tc>
+                  <a:txBody>
+                    <a:bodyPr/>
+                    <a:lstStyle/>
+                    <a:p>
+                      <a:r>
+                        <a:t>61.0</a:t>
+                      </a:r>
+                    </a:p>
+                  </a:txBody>
+                  <a:tcPr/>
+                </a:tc>
+              </a:tr>
+              <a:tr h="326571">
+                <a:tc>
+                  <a:txBody>
+                    <a:bodyPr/>
+                    <a:lstStyle/>
+                    <a:p>
+                      <a:r>
+                        <a:t>Maximum Afe Temperature</a:t>
+                      </a:r>
+                    </a:p>
+                  </a:txBody>
+                  <a:tcPr/>
+                </a:tc>
+                <a:tc>
+                  <a:txBody>
+                    <a:bodyPr/>
+                    <a:lstStyle/>
+                    <a:p>
+                      <a:r>
+                        <a:t>60.0</a:t>
+                      </a:r>
+                    </a:p>
+                  </a:txBody>
+                  <a:tcPr/>
+                </a:tc>
+              </a:tr>
+              <a:tr h="326571">
+                <a:tc>
+                  <a:txBody>
+                    <a:bodyPr/>
+                    <a:lstStyle/>
+                    <a:p>
+                      <a:r>
+                        <a:t>Maximum PCB Temperature</a:t>
+                      </a:r>
+                    </a:p>
+                  </a:txBody>
+                  <a:tcPr/>
+                </a:tc>
+                <a:tc>
+                  <a:txBody>
+                    <a:bodyPr/>
+                    <a:lstStyle/>
+                    <a:p>
+                      <a:r>
+                        <a:t>60.0</a:t>
+                      </a:r>
+                    </a:p>
+                  </a:txBody>
+                  <a:tcPr/>
+                </a:tc>
+              </a:tr>
+              <a:tr h="326571">
+                <a:tc>
+                  <a:txBody>
+                    <a:bodyPr/>
+                    <a:lstStyle/>
+                    <a:p>
+                      <a:r>
+                        <a:t>Maximum MCU Temperature</a:t>
+                      </a:r>
+                    </a:p>
+                  </a:txBody>
+                  <a:tcPr/>
+                </a:tc>
+                <a:tc>
+                  <a:txBody>
+                    <a:bodyPr/>
+                    <a:lstStyle/>
+                    <a:p>
+                      <a:r>
+                        <a:t>40.0</a:t>
+                      </a:r>
+                    </a:p>
+                  </a:txBody>
+                  <a:tcPr/>
+                </a:tc>
+              </a:tr>
+              <a:tr h="326571">
+                <a:tc>
+                  <a:txBody>
+                    <a:bodyPr/>
+                    <a:lstStyle/>
+                    <a:p>
+                      <a:r>
+                        <a:t>Maximum Motor Temperature</a:t>
+                      </a:r>
+                    </a:p>
+                  </a:txBody>
+                  <a:tcPr/>
+                </a:tc>
+                <a:tc>
+                  <a:txBody>
+                    <a:bodyPr/>
+                    <a:lstStyle/>
+                    <a:p>
+                      <a:r>
+                        <a:t>0.0</a:t>
+                      </a:r>
+                    </a:p>
+                  </a:txBody>
+                  <a:tcPr/>
+                </a:tc>
+              </a:tr>
+              <a:tr h="326571">
+                <a:tc>
+                  <a:txBody>
+                    <a:bodyPr/>
+                    <a:lstStyle/>
+                    <a:p>
+                      <a:r>
+                        <a:t>Abnormal Motor Temperature Detected</a:t>
+                      </a:r>
+                    </a:p>
+                  </a:txBody>
+                  <a:tcPr/>
+                </a:tc>
+                <a:tc>
+                  <a:txBody>
+                    <a:bodyPr/>
+                    <a:lstStyle/>
+                    <a:p>
+                      <a:r>
+                        <a:t>False</a:t>
+                      </a:r>
+                    </a:p>
+                  </a:txBody>
+                  <a:tcPr/>
+                </a:tc>
+              </a:tr>
+              <a:tr h="326577">
+                <a:tc>
+                  <a:txBody>
+                    <a:bodyPr/>
+                    <a:lstStyle/>
+                    <a:p>
+                      <a:r>
+                        <a:t>Idling time percentage</a:t>
+                      </a:r>
+                    </a:p>
+                  </a:txBody>
+                  <a:tcPr/>
+                </a:tc>
+                <a:tc>
+                  <a:txBody>
+                    <a:bodyPr/>
+                    <a:lstStyle/>
+                    <a:p>
+                      <a:r>
+                        <a:t>0.0</a:t>
+                      </a:r>
+                    </a:p>
+                  </a:txBody>
+                  <a:tcPr/>
+                </a:tc>
+              </a:tr>
+            </a:tbl>
+          </a:graphicData>
+        </a:graphic>
+      </p:graphicFrame>
+    </p:spTree>
+  </p:cSld>
+  <p:clrMapOvr>
+    <a:masterClrMapping/>
+  </p:clrMapOvr>
+</p:sld>
+</file>
+
+<file path=ppt/slides/slide4.xml><?xml version="1.0" encoding="utf-8"?>
+<p:sld xmlns:a="http://schemas.openxmlformats.org/drawingml/2006/main" xmlns:p="http://schemas.openxmlformats.org/presentationml/2006/main" xmlns:r="http://schemas.openxmlformats.org/officeDocument/2006/relationships">
+  <p:cSld>
+    <p:spTree>
+      <p:nvGrpSpPr>
+        <p:cNvPr id="1" name=""/>
+        <p:cNvGrpSpPr/>
+        <p:nvPr/>
+      </p:nvGrpSpPr>
+      <p:grpSpPr/>
+      <p:sp>
+        <p:nvSpPr>
+          <p:cNvPr id="2" name="Title 1"/>
+          <p:cNvSpPr>
+            <a:spLocks noGrp="1"/>
+          </p:cNvSpPr>
+          <p:nvPr>
+            <p:ph type="title"/>
+          </p:nvPr>
+        </p:nvSpPr>
+        <p:spPr/>
+        <p:txBody>
+          <a:bodyPr/>
+          <a:lstStyle/>
+          <a:p>
+            <a:r>
+              <a:t>Analysis Results:</a:t>
+            </a:r>
+          </a:p>
+        </p:txBody>
+      </p:sp>
+      <p:graphicFrame>
+        <p:nvGraphicFramePr>
+          <p:cNvPr id="3" name="Table 2"/>
+          <p:cNvGraphicFramePr>
+            <a:graphicFrameLocks noGrp="1"/>
+          </p:cNvGraphicFramePr>
+          <p:nvPr/>
+        </p:nvGraphicFramePr>
+        <p:xfrm>
+          <a:off x="914400" y="1371600"/>
+          <a:ext cx="7315200" cy="4572000"/>
+        </p:xfrm>
+        <a:graphic>
+          <a:graphicData uri="http://schemas.openxmlformats.org/drawingml/2006/table">
+            <a:tbl>
+              <a:tblPr firstRow="1" bandRow="1">
+                <a:tableStyleId>{5C22544A-7EE6-4342-B048-85BDC9FD1C3A}</a:tableStyleId>
+              </a:tblPr>
+              <a:tblGrid>
+                <a:gridCol w="3657600"/>
+                <a:gridCol w="3657600"/>
+              </a:tblGrid>
+              <a:tr h="326571">
+                <a:tc>
+                  <a:txBody>
+                    <a:bodyPr/>
+                    <a:lstStyle/>
+                    <a:p>
+                      <a:r>
+                        <a:t>Metric</a:t>
+                      </a:r>
+                    </a:p>
+                  </a:txBody>
+                  <a:tcPr/>
+                </a:tc>
+                <a:tc>
+                  <a:txBody>
+                    <a:bodyPr/>
+                    <a:lstStyle/>
+                    <a:p>
+                      <a:r>
+                        <a:t>Value</a:t>
+                      </a:r>
+                    </a:p>
+                  </a:txBody>
+                  <a:tcPr/>
+                </a:tc>
+              </a:tr>
+              <a:tr h="326571">
+                <a:tc>
+                  <a:txBody>
+                    <a:bodyPr/>
+                    <a:lstStyle/>
+                    <a:p>
+                      <a:r>
+                        <a:t>Time spent in 0-10 km/h</a:t>
+                      </a:r>
+                    </a:p>
+                  </a:txBody>
+                  <a:tcPr/>
+                </a:tc>
+                <a:tc>
+                  <a:txBody>
+                    <a:bodyPr/>
+                    <a:lstStyle/>
+                    <a:p>
+                      <a:r>
+                        <a:t>0.0</a:t>
+                      </a:r>
+                    </a:p>
+                  </a:txBody>
+                  <a:tcPr/>
+                </a:tc>
+              </a:tr>
+              <a:tr h="326571">
+                <a:tc>
+                  <a:txBody>
+                    <a:bodyPr/>
+                    <a:lstStyle/>
+                    <a:p>
+                      <a:r>
+                        <a:t>Time spent in 10-20 km/h</a:t>
+                      </a:r>
+                    </a:p>
+                  </a:txBody>
+                  <a:tcPr/>
+                </a:tc>
+                <a:tc>
+                  <a:txBody>
+                    <a:bodyPr/>
+                    <a:lstStyle/>
+                    <a:p>
+                      <a:r>
+                        <a:t>0.0</a:t>
+                      </a:r>
+                    </a:p>
+                  </a:txBody>
+                  <a:tcPr/>
+                </a:tc>
+              </a:tr>
+              <a:tr h="326571">
+                <a:tc>
+                  <a:txBody>
+                    <a:bodyPr/>
+                    <a:lstStyle/>
+                    <a:p>
+                      <a:r>
+                        <a:t>Time spent in 20-30 km/h</a:t>
+                      </a:r>
+                    </a:p>
+                  </a:txBody>
+                  <a:tcPr/>
+                </a:tc>
+                <a:tc>
+                  <a:txBody>
+                    <a:bodyPr/>
+                    <a:lstStyle/>
+                    <a:p>
+                      <a:r>
+                        <a:t>14.451261077027949</a:t>
+                      </a:r>
+                    </a:p>
+                  </a:txBody>
+                  <a:tcPr/>
+                </a:tc>
+              </a:tr>
+              <a:tr h="326571">
+                <a:tc>
+                  <a:txBody>
+                    <a:bodyPr/>
+                    <a:lstStyle/>
+                    <a:p>
+                      <a:r>
+                        <a:t>Time spent in 30-40 km/h</a:t>
+                      </a:r>
+                    </a:p>
+                  </a:txBody>
+                  <a:tcPr/>
+                </a:tc>
+                <a:tc>
+                  <a:txBody>
+                    <a:bodyPr/>
+                    <a:lstStyle/>
+                    <a:p>
+                      <a:r>
+                        <a:t>4.567143830947512</a:t>
+                      </a:r>
+                    </a:p>
+                  </a:txBody>
+                  <a:tcPr/>
+                </a:tc>
+              </a:tr>
+              <a:tr h="326571">
+                <a:tc>
+                  <a:txBody>
+                    <a:bodyPr/>
+                    <a:lstStyle/>
+                    <a:p>
+                      <a:r>
+                        <a:t>Time spent in 40-50 km/h</a:t>
+                      </a:r>
+                    </a:p>
+                  </a:txBody>
+                  <a:tcPr/>
+                </a:tc>
+                <a:tc>
+                  <a:txBody>
+                    <a:bodyPr/>
+                    <a:lstStyle/>
+                    <a:p>
+                      <a:r>
+                        <a:t>2.0790729379686437</a:t>
+                      </a:r>
+                    </a:p>
+                  </a:txBody>
+                  <a:tcPr/>
+                </a:tc>
+              </a:tr>
+              <a:tr h="326571">
+                <a:tc>
+                  <a:txBody>
+                    <a:bodyPr/>
+                    <a:lstStyle/>
+                    <a:p>
+                      <a:r>
+                        <a:t>Time spent in 50-60 km/h</a:t>
+                      </a:r>
+                    </a:p>
+                  </a:txBody>
+                  <a:tcPr/>
+                </a:tc>
+                <a:tc>
+                  <a:txBody>
+                    <a:bodyPr/>
+                    <a:lstStyle/>
+                    <a:p>
+                      <a:r>
+                        <a:t>75.59645535105658</a:t>
+                      </a:r>
+                    </a:p>
+                  </a:txBody>
+                  <a:tcPr/>
+                </a:tc>
+              </a:tr>
+              <a:tr h="326571">
+                <a:tc>
+                  <a:txBody>
+                    <a:bodyPr/>
+                    <a:lstStyle/>
+                    <a:p>
+                      <a:r>
+                        <a:t>Time spent in 60-70 km/h</a:t>
+                      </a:r>
+                    </a:p>
+                  </a:txBody>
+                  <a:tcPr/>
+                </a:tc>
+                <a:tc>
+                  <a:txBody>
+                    <a:bodyPr/>
+                    <a:lstStyle/>
+                    <a:p>
+                      <a:r>
+                        <a:t>3.306066802999318</a:t>
+                      </a:r>
+                    </a:p>
+                  </a:txBody>
+                  <a:tcPr/>
+                </a:tc>
+              </a:tr>
+              <a:tr h="326571">
+                <a:tc>
+                  <a:txBody>
+                    <a:bodyPr/>
+                    <a:lstStyle/>
+                    <a:p/>
+                  </a:txBody>
+                  <a:tcPr/>
+                </a:tc>
+                <a:tc>
+                  <a:txBody>
+                    <a:bodyPr/>
+                    <a:lstStyle/>
+                    <a:p/>
+                  </a:txBody>
+                  <a:tcPr/>
+                </a:tc>
+              </a:tr>
+              <a:tr h="326571">
+                <a:tc>
+                  <a:txBody>
+                    <a:bodyPr/>
+                    <a:lstStyle/>
+                    <a:p/>
+                  </a:txBody>
+                  <a:tcPr/>
+                </a:tc>
+                <a:tc>
+                  <a:txBody>
+                    <a:bodyPr/>
+                    <a:lstStyle/>
+                    <a:p/>
+                  </a:txBody>
+                  <a:tcPr/>
+                </a:tc>
+              </a:tr>
+              <a:tr h="326571">
+                <a:tc>
+                  <a:txBody>
+                    <a:bodyPr/>
+                    <a:lstStyle/>
+                    <a:p/>
+                  </a:txBody>
+                  <a:tcPr/>
+                </a:tc>
+                <a:tc>
+                  <a:txBody>
+                    <a:bodyPr/>
+                    <a:lstStyle/>
+                    <a:p/>
+                  </a:txBody>
+                  <a:tcPr/>
+                </a:tc>
+              </a:tr>
+              <a:tr h="326571">
+                <a:tc>
+                  <a:txBody>
+                    <a:bodyPr/>
+                    <a:lstStyle/>
+                    <a:p/>
+                  </a:txBody>
+                  <a:tcPr/>
+                </a:tc>
+                <a:tc>
+                  <a:txBody>
+                    <a:bodyPr/>
+                    <a:lstStyle/>
+                    <a:p/>
+                  </a:txBody>
+                  <a:tcPr/>
+                </a:tc>
+              </a:tr>
+              <a:tr h="326571">
+                <a:tc>
+                  <a:txBody>
+                    <a:bodyPr/>
+                    <a:lstStyle/>
+                    <a:p/>
+                  </a:txBody>
+                  <a:tcPr/>
+                </a:tc>
+                <a:tc>
+                  <a:txBody>
+                    <a:bodyPr/>
+                    <a:lstStyle/>
+                    <a:p/>
+                  </a:txBody>
+                  <a:tcPr/>
+                </a:tc>
+              </a:tr>
+              <a:tr h="326577">
+                <a:tc>
+                  <a:txBody>
+                    <a:bodyPr/>
+                    <a:lstStyle/>
+                    <a:p/>
+                  </a:txBody>
+                  <a:tcPr/>
+                </a:tc>
+                <a:tc>
+                  <a:txBody>
+                    <a:bodyPr/>
+                    <a:lstStyle/>
+                    <a:p/>
+                  </a:txBody>
+                  <a:tcPr/>
+                </a:tc>
+              </a:tr>
+            </a:tbl>
+          </a:graphicData>
+        </a:graphic>
+      </p:graphicFrame>
+    </p:spTree>
+  </p:cSld>
+  <p:clrMapOvr>
+    <a:masterClrMapping/>
+  </p:clrMapOvr>
+</p:sld>
+</file>
+
+<file path=ppt/slides/slide5.xml><?xml version="1.0" encoding="utf-8"?>
 <p:sld xmlns:a="http://schemas.openxmlformats.org/drawingml/2006/main" xmlns:p="http://schemas.openxmlformats.org/presentationml/2006/main" xmlns:r="http://schemas.openxmlformats.org/officeDocument/2006/relationships">
   <p:cSld>
     <p:spTree>
